--- a/IndependentProjectPowerPoint.pptx
+++ b/IndependentProjectPowerPoint.pptx
@@ -104,6 +104,11 @@
       </a:defRPr>
     </a:lvl9pPr>
   </p:defaultTextStyle>
+  <p:extLst>
+    <p:ext uri="{EFAFB233-063F-42B5-8137-9DF3F51BA10A}">
+      <p15:sldGuideLst xmlns:p15="http://schemas.microsoft.com/office/powerpoint/2012/main"/>
+    </p:ext>
+  </p:extLst>
 </p:presentation>
 </file>
 
@@ -157,7 +162,7 @@
           <a:noFill/>
           <a:extLst>
             <a:ext uri="{909E8E84-426E-40dd-AFC4-6F175D3DCCD1}">
-              <a14:hiddenFill xmlns:a14="http://schemas.microsoft.com/office/drawing/2010/main" xmlns="">
+              <a14:hiddenFill xmlns="" xmlns:a14="http://schemas.microsoft.com/office/drawing/2010/main">
                 <a:solidFill>
                   <a:srgbClr val="FFFFFF"/>
                 </a:solidFill>
@@ -217,7 +222,7 @@
             </a:ln>
             <a:extLst>
               <a:ext uri="{91240B29-F687-4f45-9708-019B960494DF}">
-                <a14:hiddenLine xmlns:a14="http://schemas.microsoft.com/office/drawing/2010/main" xmlns="" w="9525">
+                <a14:hiddenLine xmlns="" xmlns:a14="http://schemas.microsoft.com/office/drawing/2010/main" w="9525">
                   <a:solidFill>
                     <a:srgbClr val="000000"/>
                   </a:solidFill>
@@ -307,7 +312,7 @@
             </a:ln>
             <a:extLst>
               <a:ext uri="{91240B29-F687-4f45-9708-019B960494DF}">
-                <a14:hiddenLine xmlns:a14="http://schemas.microsoft.com/office/drawing/2010/main" xmlns="" w="9525">
+                <a14:hiddenLine xmlns="" xmlns:a14="http://schemas.microsoft.com/office/drawing/2010/main" w="9525">
                   <a:solidFill>
                     <a:srgbClr val="000000"/>
                   </a:solidFill>
@@ -397,7 +402,7 @@
             </a:ln>
             <a:extLst>
               <a:ext uri="{91240B29-F687-4f45-9708-019B960494DF}">
-                <a14:hiddenLine xmlns:a14="http://schemas.microsoft.com/office/drawing/2010/main" xmlns="" w="9525">
+                <a14:hiddenLine xmlns="" xmlns:a14="http://schemas.microsoft.com/office/drawing/2010/main" w="9525">
                   <a:solidFill>
                     <a:srgbClr val="000000"/>
                   </a:solidFill>
@@ -431,7 +436,7 @@
             </a:ln>
             <a:extLst>
               <a:ext uri="{91240B29-F687-4f45-9708-019B960494DF}">
-                <a14:hiddenLine xmlns:a14="http://schemas.microsoft.com/office/drawing/2010/main" xmlns="" w="9525">
+                <a14:hiddenLine xmlns="" xmlns:a14="http://schemas.microsoft.com/office/drawing/2010/main" w="9525">
                   <a:solidFill>
                     <a:srgbClr val="000000"/>
                   </a:solidFill>
@@ -521,7 +526,7 @@
             </a:ln>
             <a:extLst>
               <a:ext uri="{91240B29-F687-4f45-9708-019B960494DF}">
-                <a14:hiddenLine xmlns:a14="http://schemas.microsoft.com/office/drawing/2010/main" xmlns="" w="9525">
+                <a14:hiddenLine xmlns="" xmlns:a14="http://schemas.microsoft.com/office/drawing/2010/main" w="9525">
                   <a:solidFill>
                     <a:srgbClr val="000000"/>
                   </a:solidFill>
@@ -583,7 +588,7 @@
             </a:ln>
             <a:extLst>
               <a:ext uri="{91240B29-F687-4f45-9708-019B960494DF}">
-                <a14:hiddenLine xmlns:a14="http://schemas.microsoft.com/office/drawing/2010/main" xmlns="" w="9525">
+                <a14:hiddenLine xmlns="" xmlns:a14="http://schemas.microsoft.com/office/drawing/2010/main" w="9525">
                   <a:solidFill>
                     <a:srgbClr val="000000"/>
                   </a:solidFill>
@@ -645,7 +650,7 @@
             </a:ln>
             <a:extLst>
               <a:ext uri="{91240B29-F687-4f45-9708-019B960494DF}">
-                <a14:hiddenLine xmlns:a14="http://schemas.microsoft.com/office/drawing/2010/main" xmlns="" w="9525">
+                <a14:hiddenLine xmlns="" xmlns:a14="http://schemas.microsoft.com/office/drawing/2010/main" w="9525">
                   <a:solidFill>
                     <a:srgbClr val="000000"/>
                   </a:solidFill>
@@ -735,7 +740,7 @@
             </a:ln>
             <a:extLst>
               <a:ext uri="{91240B29-F687-4f45-9708-019B960494DF}">
-                <a14:hiddenLine xmlns:a14="http://schemas.microsoft.com/office/drawing/2010/main" xmlns="" w="9525">
+                <a14:hiddenLine xmlns="" xmlns:a14="http://schemas.microsoft.com/office/drawing/2010/main" w="9525">
                   <a:solidFill>
                     <a:srgbClr val="000000"/>
                   </a:solidFill>
@@ -797,7 +802,7 @@
             </a:ln>
             <a:extLst>
               <a:ext uri="{91240B29-F687-4f45-9708-019B960494DF}">
-                <a14:hiddenLine xmlns:a14="http://schemas.microsoft.com/office/drawing/2010/main" xmlns="" w="9525">
+                <a14:hiddenLine xmlns="" xmlns:a14="http://schemas.microsoft.com/office/drawing/2010/main" w="9525">
                   <a:solidFill>
                     <a:srgbClr val="000000"/>
                   </a:solidFill>
@@ -859,7 +864,7 @@
             </a:ln>
             <a:extLst>
               <a:ext uri="{91240B29-F687-4f45-9708-019B960494DF}">
-                <a14:hiddenLine xmlns:a14="http://schemas.microsoft.com/office/drawing/2010/main" xmlns="" w="9525">
+                <a14:hiddenLine xmlns="" xmlns:a14="http://schemas.microsoft.com/office/drawing/2010/main" w="9525">
                   <a:solidFill>
                     <a:srgbClr val="000000"/>
                   </a:solidFill>
@@ -949,7 +954,7 @@
             </a:ln>
             <a:extLst>
               <a:ext uri="{91240B29-F687-4f45-9708-019B960494DF}">
-                <a14:hiddenLine xmlns:a14="http://schemas.microsoft.com/office/drawing/2010/main" xmlns="" w="9525">
+                <a14:hiddenLine xmlns="" xmlns:a14="http://schemas.microsoft.com/office/drawing/2010/main" w="9525">
                   <a:solidFill>
                     <a:srgbClr val="000000"/>
                   </a:solidFill>
@@ -1039,7 +1044,7 @@
             </a:ln>
             <a:extLst>
               <a:ext uri="{91240B29-F687-4f45-9708-019B960494DF}">
-                <a14:hiddenLine xmlns:a14="http://schemas.microsoft.com/office/drawing/2010/main" xmlns="" w="9525">
+                <a14:hiddenLine xmlns="" xmlns:a14="http://schemas.microsoft.com/office/drawing/2010/main" w="9525">
                   <a:solidFill>
                     <a:srgbClr val="000000"/>
                   </a:solidFill>
@@ -1101,7 +1106,7 @@
             </a:ln>
             <a:extLst>
               <a:ext uri="{91240B29-F687-4f45-9708-019B960494DF}">
-                <a14:hiddenLine xmlns:a14="http://schemas.microsoft.com/office/drawing/2010/main" xmlns="" w="9525">
+                <a14:hiddenLine xmlns="" xmlns:a14="http://schemas.microsoft.com/office/drawing/2010/main" w="9525">
                   <a:solidFill>
                     <a:srgbClr val="000000"/>
                   </a:solidFill>
@@ -1211,7 +1216,7 @@
             </a:ln>
             <a:extLst>
               <a:ext uri="{91240B29-F687-4f45-9708-019B960494DF}">
-                <a14:hiddenLine xmlns:a14="http://schemas.microsoft.com/office/drawing/2010/main" xmlns="" w="9525">
+                <a14:hiddenLine xmlns="" xmlns:a14="http://schemas.microsoft.com/office/drawing/2010/main" w="9525">
                   <a:solidFill>
                     <a:srgbClr val="000000"/>
                   </a:solidFill>
@@ -1273,7 +1278,7 @@
             </a:ln>
             <a:extLst>
               <a:ext uri="{91240B29-F687-4f45-9708-019B960494DF}">
-                <a14:hiddenLine xmlns:a14="http://schemas.microsoft.com/office/drawing/2010/main" xmlns="" w="9525">
+                <a14:hiddenLine xmlns="" xmlns:a14="http://schemas.microsoft.com/office/drawing/2010/main" w="9525">
                   <a:solidFill>
                     <a:srgbClr val="000000"/>
                   </a:solidFill>
@@ -1363,7 +1368,7 @@
             </a:ln>
             <a:extLst>
               <a:ext uri="{91240B29-F687-4f45-9708-019B960494DF}">
-                <a14:hiddenLine xmlns:a14="http://schemas.microsoft.com/office/drawing/2010/main" xmlns="" w="9525">
+                <a14:hiddenLine xmlns="" xmlns:a14="http://schemas.microsoft.com/office/drawing/2010/main" w="9525">
                   <a:solidFill>
                     <a:srgbClr val="000000"/>
                   </a:solidFill>
@@ -1453,7 +1458,7 @@
             </a:ln>
             <a:extLst>
               <a:ext uri="{91240B29-F687-4f45-9708-019B960494DF}">
-                <a14:hiddenLine xmlns:a14="http://schemas.microsoft.com/office/drawing/2010/main" xmlns="" w="9525">
+                <a14:hiddenLine xmlns="" xmlns:a14="http://schemas.microsoft.com/office/drawing/2010/main" w="9525">
                   <a:solidFill>
                     <a:srgbClr val="000000"/>
                   </a:solidFill>
@@ -1515,7 +1520,7 @@
             </a:ln>
             <a:extLst>
               <a:ext uri="{91240B29-F687-4f45-9708-019B960494DF}">
-                <a14:hiddenLine xmlns:a14="http://schemas.microsoft.com/office/drawing/2010/main" xmlns="" w="9525">
+                <a14:hiddenLine xmlns="" xmlns:a14="http://schemas.microsoft.com/office/drawing/2010/main" w="9525">
                   <a:solidFill>
                     <a:srgbClr val="000000"/>
                   </a:solidFill>
@@ -1605,7 +1610,7 @@
             </a:ln>
             <a:extLst>
               <a:ext uri="{91240B29-F687-4f45-9708-019B960494DF}">
-                <a14:hiddenLine xmlns:a14="http://schemas.microsoft.com/office/drawing/2010/main" xmlns="" w="9525">
+                <a14:hiddenLine xmlns="" xmlns:a14="http://schemas.microsoft.com/office/drawing/2010/main" w="9525">
                   <a:solidFill>
                     <a:srgbClr val="000000"/>
                   </a:solidFill>
@@ -1695,7 +1700,7 @@
             </a:ln>
             <a:extLst>
               <a:ext uri="{91240B29-F687-4f45-9708-019B960494DF}">
-                <a14:hiddenLine xmlns:a14="http://schemas.microsoft.com/office/drawing/2010/main" xmlns="" w="9525">
+                <a14:hiddenLine xmlns="" xmlns:a14="http://schemas.microsoft.com/office/drawing/2010/main" w="9525">
                   <a:solidFill>
                     <a:srgbClr val="000000"/>
                   </a:solidFill>
@@ -1751,7 +1756,7 @@
             </a:ln>
             <a:extLst>
               <a:ext uri="{91240B29-F687-4f45-9708-019B960494DF}">
-                <a14:hiddenLine xmlns:a14="http://schemas.microsoft.com/office/drawing/2010/main" xmlns="" w="9525">
+                <a14:hiddenLine xmlns="" xmlns:a14="http://schemas.microsoft.com/office/drawing/2010/main" w="9525">
                   <a:solidFill>
                     <a:srgbClr val="000000"/>
                   </a:solidFill>
@@ -1841,7 +1846,7 @@
             </a:ln>
             <a:extLst>
               <a:ext uri="{91240B29-F687-4f45-9708-019B960494DF}">
-                <a14:hiddenLine xmlns:a14="http://schemas.microsoft.com/office/drawing/2010/main" xmlns="" w="9525">
+                <a14:hiddenLine xmlns="" xmlns:a14="http://schemas.microsoft.com/office/drawing/2010/main" w="9525">
                   <a:solidFill>
                     <a:srgbClr val="000000"/>
                   </a:solidFill>
@@ -1897,7 +1902,7 @@
             </a:ln>
             <a:extLst>
               <a:ext uri="{91240B29-F687-4f45-9708-019B960494DF}">
-                <a14:hiddenLine xmlns:a14="http://schemas.microsoft.com/office/drawing/2010/main" xmlns="" w="9525">
+                <a14:hiddenLine xmlns="" xmlns:a14="http://schemas.microsoft.com/office/drawing/2010/main" w="9525">
                   <a:solidFill>
                     <a:srgbClr val="000000"/>
                   </a:solidFill>
@@ -1987,7 +1992,7 @@
             </a:ln>
             <a:extLst>
               <a:ext uri="{91240B29-F687-4f45-9708-019B960494DF}">
-                <a14:hiddenLine xmlns:a14="http://schemas.microsoft.com/office/drawing/2010/main" xmlns="" w="9525">
+                <a14:hiddenLine xmlns="" xmlns:a14="http://schemas.microsoft.com/office/drawing/2010/main" w="9525">
                   <a:solidFill>
                     <a:srgbClr val="000000"/>
                   </a:solidFill>
@@ -2055,7 +2060,7 @@
             </a:ln>
             <a:extLst>
               <a:ext uri="{91240B29-F687-4f45-9708-019B960494DF}">
-                <a14:hiddenLine xmlns:a14="http://schemas.microsoft.com/office/drawing/2010/main" xmlns="" w="9525">
+                <a14:hiddenLine xmlns="" xmlns:a14="http://schemas.microsoft.com/office/drawing/2010/main" w="9525">
                   <a:solidFill>
                     <a:srgbClr val="000000"/>
                   </a:solidFill>
@@ -2145,7 +2150,7 @@
             </a:ln>
             <a:extLst>
               <a:ext uri="{91240B29-F687-4f45-9708-019B960494DF}">
-                <a14:hiddenLine xmlns:a14="http://schemas.microsoft.com/office/drawing/2010/main" xmlns="" w="9525">
+                <a14:hiddenLine xmlns="" xmlns:a14="http://schemas.microsoft.com/office/drawing/2010/main" w="9525">
                   <a:solidFill>
                     <a:srgbClr val="000000"/>
                   </a:solidFill>
@@ -2213,7 +2218,7 @@
             </a:ln>
             <a:extLst>
               <a:ext uri="{91240B29-F687-4f45-9708-019B960494DF}">
-                <a14:hiddenLine xmlns:a14="http://schemas.microsoft.com/office/drawing/2010/main" xmlns="" w="9525">
+                <a14:hiddenLine xmlns="" xmlns:a14="http://schemas.microsoft.com/office/drawing/2010/main" w="9525">
                   <a:solidFill>
                     <a:srgbClr val="000000"/>
                   </a:solidFill>
@@ -2303,7 +2308,7 @@
             </a:ln>
             <a:extLst>
               <a:ext uri="{91240B29-F687-4f45-9708-019B960494DF}">
-                <a14:hiddenLine xmlns:a14="http://schemas.microsoft.com/office/drawing/2010/main" xmlns="" w="9525">
+                <a14:hiddenLine xmlns="" xmlns:a14="http://schemas.microsoft.com/office/drawing/2010/main" w="9525">
                   <a:solidFill>
                     <a:srgbClr val="000000"/>
                   </a:solidFill>
@@ -2337,7 +2342,7 @@
             </a:ln>
             <a:extLst>
               <a:ext uri="{91240B29-F687-4f45-9708-019B960494DF}">
-                <a14:hiddenLine xmlns:a14="http://schemas.microsoft.com/office/drawing/2010/main" xmlns="" w="9525">
+                <a14:hiddenLine xmlns="" xmlns:a14="http://schemas.microsoft.com/office/drawing/2010/main" w="9525">
                   <a:solidFill>
                     <a:srgbClr val="000000"/>
                   </a:solidFill>
@@ -2427,7 +2432,7 @@
             </a:ln>
             <a:extLst>
               <a:ext uri="{91240B29-F687-4f45-9708-019B960494DF}">
-                <a14:hiddenLine xmlns:a14="http://schemas.microsoft.com/office/drawing/2010/main" xmlns="" w="9525">
+                <a14:hiddenLine xmlns="" xmlns:a14="http://schemas.microsoft.com/office/drawing/2010/main" w="9525">
                   <a:solidFill>
                     <a:srgbClr val="000000"/>
                   </a:solidFill>
@@ -2489,7 +2494,7 @@
             </a:ln>
             <a:extLst>
               <a:ext uri="{91240B29-F687-4f45-9708-019B960494DF}">
-                <a14:hiddenLine xmlns:a14="http://schemas.microsoft.com/office/drawing/2010/main" xmlns="" w="9525">
+                <a14:hiddenLine xmlns="" xmlns:a14="http://schemas.microsoft.com/office/drawing/2010/main" w="9525">
                   <a:solidFill>
                     <a:srgbClr val="000000"/>
                   </a:solidFill>
@@ -2551,7 +2556,7 @@
             </a:ln>
             <a:extLst>
               <a:ext uri="{91240B29-F687-4f45-9708-019B960494DF}">
-                <a14:hiddenLine xmlns:a14="http://schemas.microsoft.com/office/drawing/2010/main" xmlns="" w="9525">
+                <a14:hiddenLine xmlns="" xmlns:a14="http://schemas.microsoft.com/office/drawing/2010/main" w="9525">
                   <a:solidFill>
                     <a:srgbClr val="000000"/>
                   </a:solidFill>
@@ -2641,7 +2646,7 @@
             </a:ln>
             <a:extLst>
               <a:ext uri="{91240B29-F687-4f45-9708-019B960494DF}">
-                <a14:hiddenLine xmlns:a14="http://schemas.microsoft.com/office/drawing/2010/main" xmlns="" w="9525">
+                <a14:hiddenLine xmlns="" xmlns:a14="http://schemas.microsoft.com/office/drawing/2010/main" w="9525">
                   <a:solidFill>
                     <a:srgbClr val="000000"/>
                   </a:solidFill>
@@ -2709,7 +2714,7 @@
             </a:ln>
             <a:extLst>
               <a:ext uri="{91240B29-F687-4f45-9708-019B960494DF}">
-                <a14:hiddenLine xmlns:a14="http://schemas.microsoft.com/office/drawing/2010/main" xmlns="" w="9525">
+                <a14:hiddenLine xmlns="" xmlns:a14="http://schemas.microsoft.com/office/drawing/2010/main" w="9525">
                   <a:solidFill>
                     <a:srgbClr val="000000"/>
                   </a:solidFill>
@@ -2771,7 +2776,7 @@
             </a:ln>
             <a:extLst>
               <a:ext uri="{91240B29-F687-4f45-9708-019B960494DF}">
-                <a14:hiddenLine xmlns:a14="http://schemas.microsoft.com/office/drawing/2010/main" xmlns="" w="9525">
+                <a14:hiddenLine xmlns="" xmlns:a14="http://schemas.microsoft.com/office/drawing/2010/main" w="9525">
                   <a:solidFill>
                     <a:srgbClr val="000000"/>
                   </a:solidFill>
@@ -2861,7 +2866,7 @@
             </a:ln>
             <a:extLst>
               <a:ext uri="{91240B29-F687-4f45-9708-019B960494DF}">
-                <a14:hiddenLine xmlns:a14="http://schemas.microsoft.com/office/drawing/2010/main" xmlns="" w="9525">
+                <a14:hiddenLine xmlns="" xmlns:a14="http://schemas.microsoft.com/office/drawing/2010/main" w="9525">
                   <a:solidFill>
                     <a:srgbClr val="000000"/>
                   </a:solidFill>
@@ -2923,7 +2928,7 @@
             </a:ln>
             <a:extLst>
               <a:ext uri="{91240B29-F687-4f45-9708-019B960494DF}">
-                <a14:hiddenLine xmlns:a14="http://schemas.microsoft.com/office/drawing/2010/main" xmlns="" w="9525">
+                <a14:hiddenLine xmlns="" xmlns:a14="http://schemas.microsoft.com/office/drawing/2010/main" w="9525">
                   <a:solidFill>
                     <a:srgbClr val="000000"/>
                   </a:solidFill>
@@ -3013,7 +3018,7 @@
             </a:ln>
             <a:extLst>
               <a:ext uri="{91240B29-F687-4f45-9708-019B960494DF}">
-                <a14:hiddenLine xmlns:a14="http://schemas.microsoft.com/office/drawing/2010/main" xmlns="" w="9525">
+                <a14:hiddenLine xmlns="" xmlns:a14="http://schemas.microsoft.com/office/drawing/2010/main" w="9525">
                   <a:solidFill>
                     <a:srgbClr val="000000"/>
                   </a:solidFill>
@@ -3075,7 +3080,7 @@
             </a:ln>
             <a:extLst>
               <a:ext uri="{91240B29-F687-4f45-9708-019B960494DF}">
-                <a14:hiddenLine xmlns:a14="http://schemas.microsoft.com/office/drawing/2010/main" xmlns="" w="9525">
+                <a14:hiddenLine xmlns="" xmlns:a14="http://schemas.microsoft.com/office/drawing/2010/main" w="9525">
                   <a:solidFill>
                     <a:srgbClr val="000000"/>
                   </a:solidFill>
@@ -3165,7 +3170,7 @@
             </a:ln>
             <a:extLst>
               <a:ext uri="{91240B29-F687-4f45-9708-019B960494DF}">
-                <a14:hiddenLine xmlns:a14="http://schemas.microsoft.com/office/drawing/2010/main" xmlns="" w="9525">
+                <a14:hiddenLine xmlns="" xmlns:a14="http://schemas.microsoft.com/office/drawing/2010/main" w="9525">
                   <a:solidFill>
                     <a:srgbClr val="000000"/>
                   </a:solidFill>
@@ -3199,7 +3204,7 @@
             </a:ln>
             <a:extLst>
               <a:ext uri="{91240B29-F687-4f45-9708-019B960494DF}">
-                <a14:hiddenLine xmlns:a14="http://schemas.microsoft.com/office/drawing/2010/main" xmlns="" w="9525">
+                <a14:hiddenLine xmlns="" xmlns:a14="http://schemas.microsoft.com/office/drawing/2010/main" w="9525">
                   <a:solidFill>
                     <a:srgbClr val="000000"/>
                   </a:solidFill>
@@ -3264,7 +3269,7 @@
             </a:ln>
             <a:extLst>
               <a:ext uri="{91240B29-F687-4f45-9708-019B960494DF}">
-                <a14:hiddenLine xmlns:a14="http://schemas.microsoft.com/office/drawing/2010/main" xmlns="" w="9525">
+                <a14:hiddenLine xmlns="" xmlns:a14="http://schemas.microsoft.com/office/drawing/2010/main" w="9525">
                   <a:solidFill>
                     <a:srgbClr val="000000"/>
                   </a:solidFill>
@@ -3354,7 +3359,7 @@
             </a:ln>
             <a:extLst>
               <a:ext uri="{91240B29-F687-4f45-9708-019B960494DF}">
-                <a14:hiddenLine xmlns:a14="http://schemas.microsoft.com/office/drawing/2010/main" xmlns="" w="9525">
+                <a14:hiddenLine xmlns="" xmlns:a14="http://schemas.microsoft.com/office/drawing/2010/main" w="9525">
                   <a:solidFill>
                     <a:srgbClr val="000000"/>
                   </a:solidFill>
@@ -3416,7 +3421,7 @@
             </a:ln>
             <a:extLst>
               <a:ext uri="{91240B29-F687-4f45-9708-019B960494DF}">
-                <a14:hiddenLine xmlns:a14="http://schemas.microsoft.com/office/drawing/2010/main" xmlns="" w="9525">
+                <a14:hiddenLine xmlns="" xmlns:a14="http://schemas.microsoft.com/office/drawing/2010/main" w="9525">
                   <a:solidFill>
                     <a:srgbClr val="000000"/>
                   </a:solidFill>
@@ -3506,7 +3511,7 @@
             </a:ln>
             <a:extLst>
               <a:ext uri="{91240B29-F687-4f45-9708-019B960494DF}">
-                <a14:hiddenLine xmlns:a14="http://schemas.microsoft.com/office/drawing/2010/main" xmlns="" w="9525">
+                <a14:hiddenLine xmlns="" xmlns:a14="http://schemas.microsoft.com/office/drawing/2010/main" w="9525">
                   <a:solidFill>
                     <a:srgbClr val="000000"/>
                   </a:solidFill>
@@ -3596,7 +3601,7 @@
             </a:ln>
             <a:extLst>
               <a:ext uri="{91240B29-F687-4f45-9708-019B960494DF}">
-                <a14:hiddenLine xmlns:a14="http://schemas.microsoft.com/office/drawing/2010/main" xmlns="" w="9525">
+                <a14:hiddenLine xmlns="" xmlns:a14="http://schemas.microsoft.com/office/drawing/2010/main" w="9525">
                   <a:solidFill>
                     <a:srgbClr val="000000"/>
                   </a:solidFill>
@@ -3661,7 +3666,7 @@
             </a:ln>
             <a:extLst>
               <a:ext uri="{91240B29-F687-4f45-9708-019B960494DF}">
-                <a14:hiddenLine xmlns:a14="http://schemas.microsoft.com/office/drawing/2010/main" xmlns="" w="9525">
+                <a14:hiddenLine xmlns="" xmlns:a14="http://schemas.microsoft.com/office/drawing/2010/main" w="9525">
                   <a:solidFill>
                     <a:srgbClr val="000000"/>
                   </a:solidFill>
@@ -3723,7 +3728,7 @@
             </a:ln>
             <a:extLst>
               <a:ext uri="{91240B29-F687-4f45-9708-019B960494DF}">
-                <a14:hiddenLine xmlns:a14="http://schemas.microsoft.com/office/drawing/2010/main" xmlns="" w="9525">
+                <a14:hiddenLine xmlns="" xmlns:a14="http://schemas.microsoft.com/office/drawing/2010/main" w="9525">
                   <a:solidFill>
                     <a:srgbClr val="000000"/>
                   </a:solidFill>
@@ -3813,7 +3818,7 @@
             </a:ln>
             <a:extLst>
               <a:ext uri="{91240B29-F687-4f45-9708-019B960494DF}">
-                <a14:hiddenLine xmlns:a14="http://schemas.microsoft.com/office/drawing/2010/main" xmlns="" w="9525">
+                <a14:hiddenLine xmlns="" xmlns:a14="http://schemas.microsoft.com/office/drawing/2010/main" w="9525">
                   <a:solidFill>
                     <a:srgbClr val="000000"/>
                   </a:solidFill>
@@ -3903,7 +3908,7 @@
             </a:ln>
             <a:extLst>
               <a:ext uri="{91240B29-F687-4f45-9708-019B960494DF}">
-                <a14:hiddenLine xmlns:a14="http://schemas.microsoft.com/office/drawing/2010/main" xmlns="" w="9525">
+                <a14:hiddenLine xmlns="" xmlns:a14="http://schemas.microsoft.com/office/drawing/2010/main" w="9525">
                   <a:solidFill>
                     <a:srgbClr val="000000"/>
                   </a:solidFill>
@@ -3965,7 +3970,7 @@
             </a:ln>
             <a:extLst>
               <a:ext uri="{91240B29-F687-4f45-9708-019B960494DF}">
-                <a14:hiddenLine xmlns:a14="http://schemas.microsoft.com/office/drawing/2010/main" xmlns="" w="9525">
+                <a14:hiddenLine xmlns="" xmlns:a14="http://schemas.microsoft.com/office/drawing/2010/main" w="9525">
                   <a:solidFill>
                     <a:srgbClr val="000000"/>
                   </a:solidFill>
@@ -4085,7 +4090,7 @@
             </a:ln>
             <a:extLst>
               <a:ext uri="{91240B29-F687-4f45-9708-019B960494DF}">
-                <a14:hiddenLine xmlns:a14="http://schemas.microsoft.com/office/drawing/2010/main" xmlns="" w="9525">
+                <a14:hiddenLine xmlns="" xmlns:a14="http://schemas.microsoft.com/office/drawing/2010/main" w="9525">
                   <a:solidFill>
                     <a:srgbClr val="000000"/>
                   </a:solidFill>
@@ -4153,7 +4158,7 @@
             </a:ln>
             <a:extLst>
               <a:ext uri="{91240B29-F687-4f45-9708-019B960494DF}">
-                <a14:hiddenLine xmlns:a14="http://schemas.microsoft.com/office/drawing/2010/main" xmlns="" w="9525">
+                <a14:hiddenLine xmlns="" xmlns:a14="http://schemas.microsoft.com/office/drawing/2010/main" w="9525">
                   <a:solidFill>
                     <a:srgbClr val="000000"/>
                   </a:solidFill>
@@ -4243,7 +4248,7 @@
             </a:ln>
             <a:extLst>
               <a:ext uri="{91240B29-F687-4f45-9708-019B960494DF}">
-                <a14:hiddenLine xmlns:a14="http://schemas.microsoft.com/office/drawing/2010/main" xmlns="" w="9525">
+                <a14:hiddenLine xmlns="" xmlns:a14="http://schemas.microsoft.com/office/drawing/2010/main" w="9525">
                   <a:solidFill>
                     <a:srgbClr val="000000"/>
                   </a:solidFill>
@@ -4383,7 +4388,7 @@
           <a:p>
             <a:fld id="{48A87A34-81AB-432B-8DAE-1953F412C126}" type="datetimeFigureOut">
               <a:rPr lang="en-US" dirty="0"/>
-              <a:t>4/30/2021</a:t>
+              <a:t>5/1/2021</a:t>
             </a:fld>
             <a:endParaRPr lang="en-US" dirty="0"/>
           </a:p>
@@ -4645,7 +4650,7 @@
           <a:p>
             <a:fld id="{48A87A34-81AB-432B-8DAE-1953F412C126}" type="datetimeFigureOut">
               <a:rPr lang="en-US" dirty="0"/>
-              <a:t>4/30/2021</a:t>
+              <a:t>5/1/2021</a:t>
             </a:fld>
             <a:endParaRPr lang="en-US" dirty="0"/>
           </a:p>
@@ -4836,7 +4841,7 @@
           <a:p>
             <a:fld id="{48A87A34-81AB-432B-8DAE-1953F412C126}" type="datetimeFigureOut">
               <a:rPr lang="en-US" dirty="0"/>
-              <a:t>4/30/2021</a:t>
+              <a:t>5/1/2021</a:t>
             </a:fld>
             <a:endParaRPr lang="en-US" dirty="0"/>
           </a:p>
@@ -5094,7 +5099,7 @@
           <a:p>
             <a:fld id="{48A87A34-81AB-432B-8DAE-1953F412C126}" type="datetimeFigureOut">
               <a:rPr lang="en-US" dirty="0"/>
-              <a:t>4/30/2021</a:t>
+              <a:t>5/1/2021</a:t>
             </a:fld>
             <a:endParaRPr lang="en-US" dirty="0"/>
           </a:p>
@@ -5523,7 +5528,7 @@
           <a:p>
             <a:fld id="{48A87A34-81AB-432B-8DAE-1953F412C126}" type="datetimeFigureOut">
               <a:rPr lang="en-US" dirty="0"/>
-              <a:t>4/30/2021</a:t>
+              <a:t>5/1/2021</a:t>
             </a:fld>
             <a:endParaRPr lang="en-US" dirty="0"/>
           </a:p>
@@ -6064,7 +6069,7 @@
           <a:p>
             <a:fld id="{48A87A34-81AB-432B-8DAE-1953F412C126}" type="datetimeFigureOut">
               <a:rPr lang="en-US" dirty="0"/>
-              <a:t>4/30/2021</a:t>
+              <a:t>5/1/2021</a:t>
             </a:fld>
             <a:endParaRPr lang="en-US" dirty="0"/>
           </a:p>
@@ -6779,7 +6784,7 @@
           <a:p>
             <a:fld id="{48A87A34-81AB-432B-8DAE-1953F412C126}" type="datetimeFigureOut">
               <a:rPr lang="en-US" dirty="0"/>
-              <a:t>4/30/2021</a:t>
+              <a:t>5/1/2021</a:t>
             </a:fld>
             <a:endParaRPr lang="en-US" dirty="0"/>
           </a:p>
@@ -6944,7 +6949,7 @@
           <a:p>
             <a:fld id="{48A87A34-81AB-432B-8DAE-1953F412C126}" type="datetimeFigureOut">
               <a:rPr lang="en-US" dirty="0"/>
-              <a:t>4/30/2021</a:t>
+              <a:t>5/1/2021</a:t>
             </a:fld>
             <a:endParaRPr lang="en-US" dirty="0"/>
           </a:p>
@@ -7119,7 +7124,7 @@
           <a:p>
             <a:fld id="{48A87A34-81AB-432B-8DAE-1953F412C126}" type="datetimeFigureOut">
               <a:rPr lang="en-US" dirty="0"/>
-              <a:t>4/30/2021</a:t>
+              <a:t>5/1/2021</a:t>
             </a:fld>
             <a:endParaRPr lang="en-US" dirty="0"/>
           </a:p>
@@ -7284,7 +7289,7 @@
           <a:p>
             <a:fld id="{48A87A34-81AB-432B-8DAE-1953F412C126}" type="datetimeFigureOut">
               <a:rPr lang="en-US" dirty="0"/>
-              <a:t>4/30/2021</a:t>
+              <a:t>5/1/2021</a:t>
             </a:fld>
             <a:endParaRPr lang="en-US" dirty="0"/>
           </a:p>
@@ -7529,7 +7534,7 @@
           <a:p>
             <a:fld id="{48A87A34-81AB-432B-8DAE-1953F412C126}" type="datetimeFigureOut">
               <a:rPr lang="en-US" dirty="0"/>
-              <a:t>4/30/2021</a:t>
+              <a:t>5/1/2021</a:t>
             </a:fld>
             <a:endParaRPr lang="en-US" dirty="0"/>
           </a:p>
@@ -7756,7 +7761,7 @@
           <a:p>
             <a:fld id="{48A87A34-81AB-432B-8DAE-1953F412C126}" type="datetimeFigureOut">
               <a:rPr lang="en-US" dirty="0"/>
-              <a:t>4/30/2021</a:t>
+              <a:t>5/1/2021</a:t>
             </a:fld>
             <a:endParaRPr lang="en-US" dirty="0"/>
           </a:p>
@@ -8132,7 +8137,7 @@
           <a:p>
             <a:fld id="{48A87A34-81AB-432B-8DAE-1953F412C126}" type="datetimeFigureOut">
               <a:rPr lang="en-US" dirty="0"/>
-              <a:t>4/30/2021</a:t>
+              <a:t>5/1/2021</a:t>
             </a:fld>
             <a:endParaRPr lang="en-US" dirty="0"/>
           </a:p>
@@ -8245,7 +8250,7 @@
           <a:p>
             <a:fld id="{48A87A34-81AB-432B-8DAE-1953F412C126}" type="datetimeFigureOut">
               <a:rPr lang="en-US" dirty="0"/>
-              <a:t>4/30/2021</a:t>
+              <a:t>5/1/2021</a:t>
             </a:fld>
             <a:endParaRPr lang="en-US" dirty="0"/>
           </a:p>
@@ -8335,7 +8340,7 @@
           <a:p>
             <a:fld id="{48A87A34-81AB-432B-8DAE-1953F412C126}" type="datetimeFigureOut">
               <a:rPr lang="en-US" dirty="0"/>
-              <a:t>4/30/2021</a:t>
+              <a:t>5/1/2021</a:t>
             </a:fld>
             <a:endParaRPr lang="en-US" dirty="0"/>
           </a:p>
@@ -8579,7 +8584,7 @@
           <a:p>
             <a:fld id="{48A87A34-81AB-432B-8DAE-1953F412C126}" type="datetimeFigureOut">
               <a:rPr lang="en-US" dirty="0"/>
-              <a:t>4/30/2021</a:t>
+              <a:t>5/1/2021</a:t>
             </a:fld>
             <a:endParaRPr lang="en-US" dirty="0"/>
           </a:p>
@@ -8854,7 +8859,7 @@
           <a:p>
             <a:fld id="{48A87A34-81AB-432B-8DAE-1953F412C126}" type="datetimeFigureOut">
               <a:rPr lang="en-US" dirty="0"/>
-              <a:t>4/30/2021</a:t>
+              <a:t>5/1/2021</a:t>
             </a:fld>
             <a:endParaRPr lang="en-US" dirty="0"/>
           </a:p>
@@ -8965,7 +8970,7 @@
           <a:noFill/>
           <a:extLst>
             <a:ext uri="{909E8E84-426E-40dd-AFC4-6F175D3DCCD1}">
-              <a14:hiddenFill xmlns:a14="http://schemas.microsoft.com/office/drawing/2010/main" xmlns="">
+              <a14:hiddenFill xmlns="" xmlns:a14="http://schemas.microsoft.com/office/drawing/2010/main">
                 <a:solidFill>
                   <a:srgbClr val="FFFFFF"/>
                 </a:solidFill>
@@ -9039,7 +9044,7 @@
               </a:ln>
               <a:extLst>
                 <a:ext uri="{91240B29-F687-4f45-9708-019B960494DF}">
-                  <a14:hiddenLine xmlns:a14="http://schemas.microsoft.com/office/drawing/2010/main" xmlns="" w="9525">
+                  <a14:hiddenLine xmlns="" xmlns:a14="http://schemas.microsoft.com/office/drawing/2010/main" w="9525">
                     <a:solidFill>
                       <a:srgbClr val="000000"/>
                     </a:solidFill>
@@ -9129,7 +9134,7 @@
               </a:ln>
               <a:extLst>
                 <a:ext uri="{91240B29-F687-4f45-9708-019B960494DF}">
-                  <a14:hiddenLine xmlns:a14="http://schemas.microsoft.com/office/drawing/2010/main" xmlns="" w="9525">
+                  <a14:hiddenLine xmlns="" xmlns:a14="http://schemas.microsoft.com/office/drawing/2010/main" w="9525">
                     <a:solidFill>
                       <a:srgbClr val="000000"/>
                     </a:solidFill>
@@ -9219,7 +9224,7 @@
               </a:ln>
               <a:extLst>
                 <a:ext uri="{91240B29-F687-4f45-9708-019B960494DF}">
-                  <a14:hiddenLine xmlns:a14="http://schemas.microsoft.com/office/drawing/2010/main" xmlns="" w="9525">
+                  <a14:hiddenLine xmlns="" xmlns:a14="http://schemas.microsoft.com/office/drawing/2010/main" w="9525">
                     <a:solidFill>
                       <a:srgbClr val="000000"/>
                     </a:solidFill>
@@ -9281,7 +9286,7 @@
               </a:ln>
               <a:extLst>
                 <a:ext uri="{91240B29-F687-4f45-9708-019B960494DF}">
-                  <a14:hiddenLine xmlns:a14="http://schemas.microsoft.com/office/drawing/2010/main" xmlns="" w="9525">
+                  <a14:hiddenLine xmlns="" xmlns:a14="http://schemas.microsoft.com/office/drawing/2010/main" w="9525">
                     <a:solidFill>
                       <a:srgbClr val="000000"/>
                     </a:solidFill>
@@ -9371,7 +9376,7 @@
               </a:ln>
               <a:extLst>
                 <a:ext uri="{91240B29-F687-4f45-9708-019B960494DF}">
-                  <a14:hiddenLine xmlns:a14="http://schemas.microsoft.com/office/drawing/2010/main" xmlns="" w="9525">
+                  <a14:hiddenLine xmlns="" xmlns:a14="http://schemas.microsoft.com/office/drawing/2010/main" w="9525">
                     <a:solidFill>
                       <a:srgbClr val="000000"/>
                     </a:solidFill>
@@ -9433,7 +9438,7 @@
               </a:ln>
               <a:extLst>
                 <a:ext uri="{91240B29-F687-4f45-9708-019B960494DF}">
-                  <a14:hiddenLine xmlns:a14="http://schemas.microsoft.com/office/drawing/2010/main" xmlns="" w="9525">
+                  <a14:hiddenLine xmlns="" xmlns:a14="http://schemas.microsoft.com/office/drawing/2010/main" w="9525">
                     <a:solidFill>
                       <a:srgbClr val="000000"/>
                     </a:solidFill>
@@ -9495,7 +9500,7 @@
               </a:ln>
               <a:extLst>
                 <a:ext uri="{91240B29-F687-4f45-9708-019B960494DF}">
-                  <a14:hiddenLine xmlns:a14="http://schemas.microsoft.com/office/drawing/2010/main" xmlns="" w="9525">
+                  <a14:hiddenLine xmlns="" xmlns:a14="http://schemas.microsoft.com/office/drawing/2010/main" w="9525">
                     <a:solidFill>
                       <a:srgbClr val="000000"/>
                     </a:solidFill>
@@ -9585,7 +9590,7 @@
               </a:ln>
               <a:extLst>
                 <a:ext uri="{91240B29-F687-4f45-9708-019B960494DF}">
-                  <a14:hiddenLine xmlns:a14="http://schemas.microsoft.com/office/drawing/2010/main" xmlns="" w="9525">
+                  <a14:hiddenLine xmlns="" xmlns:a14="http://schemas.microsoft.com/office/drawing/2010/main" w="9525">
                     <a:solidFill>
                       <a:srgbClr val="000000"/>
                     </a:solidFill>
@@ -9675,7 +9680,7 @@
               </a:ln>
               <a:extLst>
                 <a:ext uri="{91240B29-F687-4f45-9708-019B960494DF}">
-                  <a14:hiddenLine xmlns:a14="http://schemas.microsoft.com/office/drawing/2010/main" xmlns="" w="9525">
+                  <a14:hiddenLine xmlns="" xmlns:a14="http://schemas.microsoft.com/office/drawing/2010/main" w="9525">
                     <a:solidFill>
                       <a:srgbClr val="000000"/>
                     </a:solidFill>
@@ -9737,7 +9742,7 @@
               </a:ln>
               <a:extLst>
                 <a:ext uri="{91240B29-F687-4f45-9708-019B960494DF}">
-                  <a14:hiddenLine xmlns:a14="http://schemas.microsoft.com/office/drawing/2010/main" xmlns="" w="9525">
+                  <a14:hiddenLine xmlns="" xmlns:a14="http://schemas.microsoft.com/office/drawing/2010/main" w="9525">
                     <a:solidFill>
                       <a:srgbClr val="000000"/>
                     </a:solidFill>
@@ -9847,7 +9852,7 @@
               </a:ln>
               <a:extLst>
                 <a:ext uri="{91240B29-F687-4f45-9708-019B960494DF}">
-                  <a14:hiddenLine xmlns:a14="http://schemas.microsoft.com/office/drawing/2010/main" xmlns="" w="9525">
+                  <a14:hiddenLine xmlns="" xmlns:a14="http://schemas.microsoft.com/office/drawing/2010/main" w="9525">
                     <a:solidFill>
                       <a:srgbClr val="000000"/>
                     </a:solidFill>
@@ -9931,7 +9936,7 @@
               </a:ln>
               <a:extLst>
                 <a:ext uri="{91240B29-F687-4f45-9708-019B960494DF}">
-                  <a14:hiddenLine xmlns:a14="http://schemas.microsoft.com/office/drawing/2010/main" xmlns="" w="9525">
+                  <a14:hiddenLine xmlns="" xmlns:a14="http://schemas.microsoft.com/office/drawing/2010/main" w="9525">
                     <a:solidFill>
                       <a:srgbClr val="000000"/>
                     </a:solidFill>
@@ -9993,7 +9998,7 @@
               </a:ln>
               <a:extLst>
                 <a:ext uri="{91240B29-F687-4f45-9708-019B960494DF}">
-                  <a14:hiddenLine xmlns:a14="http://schemas.microsoft.com/office/drawing/2010/main" xmlns="" w="9525">
+                  <a14:hiddenLine xmlns="" xmlns:a14="http://schemas.microsoft.com/office/drawing/2010/main" w="9525">
                     <a:solidFill>
                       <a:srgbClr val="000000"/>
                     </a:solidFill>
@@ -10055,7 +10060,7 @@
               </a:ln>
               <a:extLst>
                 <a:ext uri="{91240B29-F687-4f45-9708-019B960494DF}">
-                  <a14:hiddenLine xmlns:a14="http://schemas.microsoft.com/office/drawing/2010/main" xmlns="" w="9525">
+                  <a14:hiddenLine xmlns="" xmlns:a14="http://schemas.microsoft.com/office/drawing/2010/main" w="9525">
                     <a:solidFill>
                       <a:srgbClr val="000000"/>
                     </a:solidFill>
@@ -10145,7 +10150,7 @@
               </a:ln>
               <a:extLst>
                 <a:ext uri="{91240B29-F687-4f45-9708-019B960494DF}">
-                  <a14:hiddenLine xmlns:a14="http://schemas.microsoft.com/office/drawing/2010/main" xmlns="" w="9525">
+                  <a14:hiddenLine xmlns="" xmlns:a14="http://schemas.microsoft.com/office/drawing/2010/main" w="9525">
                     <a:solidFill>
                       <a:srgbClr val="000000"/>
                     </a:solidFill>
@@ -10179,7 +10184,7 @@
               </a:ln>
               <a:extLst>
                 <a:ext uri="{91240B29-F687-4f45-9708-019B960494DF}">
-                  <a14:hiddenLine xmlns:a14="http://schemas.microsoft.com/office/drawing/2010/main" xmlns="" w="9525">
+                  <a14:hiddenLine xmlns="" xmlns:a14="http://schemas.microsoft.com/office/drawing/2010/main" w="9525">
                     <a:solidFill>
                       <a:srgbClr val="000000"/>
                     </a:solidFill>
@@ -10244,7 +10249,7 @@
               </a:ln>
               <a:extLst>
                 <a:ext uri="{91240B29-F687-4f45-9708-019B960494DF}">
-                  <a14:hiddenLine xmlns:a14="http://schemas.microsoft.com/office/drawing/2010/main" xmlns="" w="9525">
+                  <a14:hiddenLine xmlns="" xmlns:a14="http://schemas.microsoft.com/office/drawing/2010/main" w="9525">
                     <a:solidFill>
                       <a:srgbClr val="000000"/>
                     </a:solidFill>
@@ -10334,7 +10339,7 @@
               </a:ln>
               <a:extLst>
                 <a:ext uri="{91240B29-F687-4f45-9708-019B960494DF}">
-                  <a14:hiddenLine xmlns:a14="http://schemas.microsoft.com/office/drawing/2010/main" xmlns="" w="9525">
+                  <a14:hiddenLine xmlns="" xmlns:a14="http://schemas.microsoft.com/office/drawing/2010/main" w="9525">
                     <a:solidFill>
                       <a:srgbClr val="000000"/>
                     </a:solidFill>
@@ -10396,7 +10401,7 @@
               </a:ln>
               <a:extLst>
                 <a:ext uri="{91240B29-F687-4f45-9708-019B960494DF}">
-                  <a14:hiddenLine xmlns:a14="http://schemas.microsoft.com/office/drawing/2010/main" xmlns="" w="9525">
+                  <a14:hiddenLine xmlns="" xmlns:a14="http://schemas.microsoft.com/office/drawing/2010/main" w="9525">
                     <a:solidFill>
                       <a:srgbClr val="000000"/>
                     </a:solidFill>
@@ -10486,7 +10491,7 @@
               </a:ln>
               <a:extLst>
                 <a:ext uri="{91240B29-F687-4f45-9708-019B960494DF}">
-                  <a14:hiddenLine xmlns:a14="http://schemas.microsoft.com/office/drawing/2010/main" xmlns="" w="9525">
+                  <a14:hiddenLine xmlns="" xmlns:a14="http://schemas.microsoft.com/office/drawing/2010/main" w="9525">
                     <a:solidFill>
                       <a:srgbClr val="000000"/>
                     </a:solidFill>
@@ -10551,7 +10556,7 @@
               </a:ln>
               <a:extLst>
                 <a:ext uri="{91240B29-F687-4f45-9708-019B960494DF}">
-                  <a14:hiddenLine xmlns:a14="http://schemas.microsoft.com/office/drawing/2010/main" xmlns="" w="9525">
+                  <a14:hiddenLine xmlns="" xmlns:a14="http://schemas.microsoft.com/office/drawing/2010/main" w="9525">
                     <a:solidFill>
                       <a:srgbClr val="000000"/>
                     </a:solidFill>
@@ -10613,7 +10618,7 @@
               </a:ln>
               <a:extLst>
                 <a:ext uri="{91240B29-F687-4f45-9708-019B960494DF}">
-                  <a14:hiddenLine xmlns:a14="http://schemas.microsoft.com/office/drawing/2010/main" xmlns="" w="9525">
+                  <a14:hiddenLine xmlns="" xmlns:a14="http://schemas.microsoft.com/office/drawing/2010/main" w="9525">
                     <a:solidFill>
                       <a:srgbClr val="000000"/>
                     </a:solidFill>
@@ -10703,7 +10708,7 @@
               </a:ln>
               <a:extLst>
                 <a:ext uri="{91240B29-F687-4f45-9708-019B960494DF}">
-                  <a14:hiddenLine xmlns:a14="http://schemas.microsoft.com/office/drawing/2010/main" xmlns="" w="9525">
+                  <a14:hiddenLine xmlns="" xmlns:a14="http://schemas.microsoft.com/office/drawing/2010/main" w="9525">
                     <a:solidFill>
                       <a:srgbClr val="000000"/>
                     </a:solidFill>
@@ -10793,7 +10798,7 @@
               </a:ln>
               <a:extLst>
                 <a:ext uri="{91240B29-F687-4f45-9708-019B960494DF}">
-                  <a14:hiddenLine xmlns:a14="http://schemas.microsoft.com/office/drawing/2010/main" xmlns="" w="9525">
+                  <a14:hiddenLine xmlns="" xmlns:a14="http://schemas.microsoft.com/office/drawing/2010/main" w="9525">
                     <a:solidFill>
                       <a:srgbClr val="000000"/>
                     </a:solidFill>
@@ -10858,7 +10863,7 @@
               </a:ln>
               <a:extLst>
                 <a:ext uri="{91240B29-F687-4f45-9708-019B960494DF}">
-                  <a14:hiddenLine xmlns:a14="http://schemas.microsoft.com/office/drawing/2010/main" xmlns="" w="9525">
+                  <a14:hiddenLine xmlns="" xmlns:a14="http://schemas.microsoft.com/office/drawing/2010/main" w="9525">
                     <a:solidFill>
                       <a:srgbClr val="000000"/>
                     </a:solidFill>
@@ -10978,7 +10983,7 @@
               </a:ln>
               <a:extLst>
                 <a:ext uri="{91240B29-F687-4f45-9708-019B960494DF}">
-                  <a14:hiddenLine xmlns:a14="http://schemas.microsoft.com/office/drawing/2010/main" xmlns="" w="9525">
+                  <a14:hiddenLine xmlns="" xmlns:a14="http://schemas.microsoft.com/office/drawing/2010/main" w="9525">
                     <a:solidFill>
                       <a:srgbClr val="000000"/>
                     </a:solidFill>
@@ -11076,7 +11081,7 @@
               </a:ln>
               <a:extLst>
                 <a:ext uri="{91240B29-F687-4f45-9708-019B960494DF}">
-                  <a14:hiddenLine xmlns:a14="http://schemas.microsoft.com/office/drawing/2010/main" xmlns="" w="9525">
+                  <a14:hiddenLine xmlns="" xmlns:a14="http://schemas.microsoft.com/office/drawing/2010/main" w="9525">
                     <a:solidFill>
                       <a:srgbClr val="000000"/>
                     </a:solidFill>
@@ -11191,7 +11196,7 @@
               </a:ln>
               <a:extLst>
                 <a:ext uri="{91240B29-F687-4f45-9708-019B960494DF}">
-                  <a14:hiddenLine xmlns:a14="http://schemas.microsoft.com/office/drawing/2010/main" xmlns="" w="9525">
+                  <a14:hiddenLine xmlns="" xmlns:a14="http://schemas.microsoft.com/office/drawing/2010/main" w="9525">
                     <a:solidFill>
                       <a:srgbClr val="000000"/>
                     </a:solidFill>
@@ -11281,7 +11286,7 @@
               </a:ln>
               <a:extLst>
                 <a:ext uri="{91240B29-F687-4f45-9708-019B960494DF}">
-                  <a14:hiddenLine xmlns:a14="http://schemas.microsoft.com/office/drawing/2010/main" xmlns="" w="9525">
+                  <a14:hiddenLine xmlns="" xmlns:a14="http://schemas.microsoft.com/office/drawing/2010/main" w="9525">
                     <a:solidFill>
                       <a:srgbClr val="000000"/>
                     </a:solidFill>
@@ -11346,7 +11351,7 @@
               </a:ln>
               <a:extLst>
                 <a:ext uri="{91240B29-F687-4f45-9708-019B960494DF}">
-                  <a14:hiddenLine xmlns:a14="http://schemas.microsoft.com/office/drawing/2010/main" xmlns="" w="9525">
+                  <a14:hiddenLine xmlns="" xmlns:a14="http://schemas.microsoft.com/office/drawing/2010/main" w="9525">
                     <a:solidFill>
                       <a:srgbClr val="000000"/>
                     </a:solidFill>
@@ -11436,7 +11441,7 @@
               </a:ln>
               <a:extLst>
                 <a:ext uri="{91240B29-F687-4f45-9708-019B960494DF}">
-                  <a14:hiddenLine xmlns:a14="http://schemas.microsoft.com/office/drawing/2010/main" xmlns="" w="9525">
+                  <a14:hiddenLine xmlns="" xmlns:a14="http://schemas.microsoft.com/office/drawing/2010/main" w="9525">
                     <a:solidFill>
                       <a:srgbClr val="000000"/>
                     </a:solidFill>
@@ -11504,7 +11509,7 @@
               </a:ln>
               <a:extLst>
                 <a:ext uri="{91240B29-F687-4f45-9708-019B960494DF}">
-                  <a14:hiddenLine xmlns:a14="http://schemas.microsoft.com/office/drawing/2010/main" xmlns="" w="9525">
+                  <a14:hiddenLine xmlns="" xmlns:a14="http://schemas.microsoft.com/office/drawing/2010/main" w="9525">
                     <a:solidFill>
                       <a:srgbClr val="000000"/>
                     </a:solidFill>
@@ -11594,7 +11599,7 @@
               </a:ln>
               <a:extLst>
                 <a:ext uri="{91240B29-F687-4f45-9708-019B960494DF}">
-                  <a14:hiddenLine xmlns:a14="http://schemas.microsoft.com/office/drawing/2010/main" xmlns="" w="9525">
+                  <a14:hiddenLine xmlns="" xmlns:a14="http://schemas.microsoft.com/office/drawing/2010/main" w="9525">
                     <a:solidFill>
                       <a:srgbClr val="000000"/>
                     </a:solidFill>
@@ -11662,7 +11667,7 @@
               </a:ln>
               <a:extLst>
                 <a:ext uri="{91240B29-F687-4f45-9708-019B960494DF}">
-                  <a14:hiddenLine xmlns:a14="http://schemas.microsoft.com/office/drawing/2010/main" xmlns="" w="9525">
+                  <a14:hiddenLine xmlns="" xmlns:a14="http://schemas.microsoft.com/office/drawing/2010/main" w="9525">
                     <a:solidFill>
                       <a:srgbClr val="000000"/>
                     </a:solidFill>
@@ -11752,7 +11757,7 @@
               </a:ln>
               <a:extLst>
                 <a:ext uri="{91240B29-F687-4f45-9708-019B960494DF}">
-                  <a14:hiddenLine xmlns:a14="http://schemas.microsoft.com/office/drawing/2010/main" xmlns="" w="9525">
+                  <a14:hiddenLine xmlns="" xmlns:a14="http://schemas.microsoft.com/office/drawing/2010/main" w="9525">
                     <a:solidFill>
                       <a:srgbClr val="000000"/>
                     </a:solidFill>
@@ -11786,7 +11791,7 @@
               </a:ln>
               <a:extLst>
                 <a:ext uri="{91240B29-F687-4f45-9708-019B960494DF}">
-                  <a14:hiddenLine xmlns:a14="http://schemas.microsoft.com/office/drawing/2010/main" xmlns="" w="9525">
+                  <a14:hiddenLine xmlns="" xmlns:a14="http://schemas.microsoft.com/office/drawing/2010/main" w="9525">
                     <a:solidFill>
                       <a:srgbClr val="000000"/>
                     </a:solidFill>
@@ -11927,7 +11932,7 @@
             <a:fld id="{48A87A34-81AB-432B-8DAE-1953F412C126}" type="datetimeFigureOut">
               <a:rPr lang="en-US" dirty="0"/>
               <a:pPr/>
-              <a:t>4/30/2021</a:t>
+              <a:t>5/1/2021</a:t>
             </a:fld>
             <a:endParaRPr lang="en-US" dirty="0"/>
           </a:p>
